--- a/Architecture Flowchart.pptx
+++ b/Architecture Flowchart.pptx
@@ -6,6 +6,7 @@
   </p:sldMasterIdLst>
   <p:sldIdLst>
     <p:sldId id="257" r:id="rId2"/>
+    <p:sldId id="258" r:id="rId3"/>
   </p:sldIdLst>
   <p:sldSz cx="12192000" cy="6858000"/>
   <p:notesSz cx="6858000" cy="9144000"/>
@@ -254,7 +255,7 @@
           <a:p>
             <a:fld id="{B2927C94-1AF9-4A63-8C5E-3EA8D5069965}" type="datetimeFigureOut">
               <a:rPr lang="en-US" smtClean="0"/>
-              <a:t>4/23/2017</a:t>
+              <a:t>2/9/2018</a:t>
             </a:fld>
             <a:endParaRPr lang="en-US"/>
           </a:p>
@@ -424,7 +425,7 @@
           <a:p>
             <a:fld id="{B2927C94-1AF9-4A63-8C5E-3EA8D5069965}" type="datetimeFigureOut">
               <a:rPr lang="en-US" smtClean="0"/>
-              <a:t>4/23/2017</a:t>
+              <a:t>2/9/2018</a:t>
             </a:fld>
             <a:endParaRPr lang="en-US"/>
           </a:p>
@@ -604,7 +605,7 @@
           <a:p>
             <a:fld id="{B2927C94-1AF9-4A63-8C5E-3EA8D5069965}" type="datetimeFigureOut">
               <a:rPr lang="en-US" smtClean="0"/>
-              <a:t>4/23/2017</a:t>
+              <a:t>2/9/2018</a:t>
             </a:fld>
             <a:endParaRPr lang="en-US"/>
           </a:p>
@@ -774,7 +775,7 @@
           <a:p>
             <a:fld id="{B2927C94-1AF9-4A63-8C5E-3EA8D5069965}" type="datetimeFigureOut">
               <a:rPr lang="en-US" smtClean="0"/>
-              <a:t>4/23/2017</a:t>
+              <a:t>2/9/2018</a:t>
             </a:fld>
             <a:endParaRPr lang="en-US"/>
           </a:p>
@@ -1020,7 +1021,7 @@
           <a:p>
             <a:fld id="{B2927C94-1AF9-4A63-8C5E-3EA8D5069965}" type="datetimeFigureOut">
               <a:rPr lang="en-US" smtClean="0"/>
-              <a:t>4/23/2017</a:t>
+              <a:t>2/9/2018</a:t>
             </a:fld>
             <a:endParaRPr lang="en-US"/>
           </a:p>
@@ -1252,7 +1253,7 @@
           <a:p>
             <a:fld id="{B2927C94-1AF9-4A63-8C5E-3EA8D5069965}" type="datetimeFigureOut">
               <a:rPr lang="en-US" smtClean="0"/>
-              <a:t>4/23/2017</a:t>
+              <a:t>2/9/2018</a:t>
             </a:fld>
             <a:endParaRPr lang="en-US"/>
           </a:p>
@@ -1619,7 +1620,7 @@
           <a:p>
             <a:fld id="{B2927C94-1AF9-4A63-8C5E-3EA8D5069965}" type="datetimeFigureOut">
               <a:rPr lang="en-US" smtClean="0"/>
-              <a:t>4/23/2017</a:t>
+              <a:t>2/9/2018</a:t>
             </a:fld>
             <a:endParaRPr lang="en-US"/>
           </a:p>
@@ -1737,7 +1738,7 @@
           <a:p>
             <a:fld id="{B2927C94-1AF9-4A63-8C5E-3EA8D5069965}" type="datetimeFigureOut">
               <a:rPr lang="en-US" smtClean="0"/>
-              <a:t>4/23/2017</a:t>
+              <a:t>2/9/2018</a:t>
             </a:fld>
             <a:endParaRPr lang="en-US"/>
           </a:p>
@@ -1832,7 +1833,7 @@
           <a:p>
             <a:fld id="{B2927C94-1AF9-4A63-8C5E-3EA8D5069965}" type="datetimeFigureOut">
               <a:rPr lang="en-US" smtClean="0"/>
-              <a:t>4/23/2017</a:t>
+              <a:t>2/9/2018</a:t>
             </a:fld>
             <a:endParaRPr lang="en-US"/>
           </a:p>
@@ -2109,7 +2110,7 @@
           <a:p>
             <a:fld id="{B2927C94-1AF9-4A63-8C5E-3EA8D5069965}" type="datetimeFigureOut">
               <a:rPr lang="en-US" smtClean="0"/>
-              <a:t>4/23/2017</a:t>
+              <a:t>2/9/2018</a:t>
             </a:fld>
             <a:endParaRPr lang="en-US"/>
           </a:p>
@@ -2362,7 +2363,7 @@
           <a:p>
             <a:fld id="{B2927C94-1AF9-4A63-8C5E-3EA8D5069965}" type="datetimeFigureOut">
               <a:rPr lang="en-US" smtClean="0"/>
-              <a:t>4/23/2017</a:t>
+              <a:t>2/9/2018</a:t>
             </a:fld>
             <a:endParaRPr lang="en-US"/>
           </a:p>
@@ -2575,7 +2576,7 @@
           <a:p>
             <a:fld id="{B2927C94-1AF9-4A63-8C5E-3EA8D5069965}" type="datetimeFigureOut">
               <a:rPr lang="en-US" smtClean="0"/>
-              <a:t>4/23/2017</a:t>
+              <a:t>2/9/2018</a:t>
             </a:fld>
             <a:endParaRPr lang="en-US"/>
           </a:p>
@@ -4174,6 +4175,1320 @@
 </p:sld>
 </file>
 
+<file path=ppt/slides/slide2.xml><?xml version="1.0" encoding="utf-8"?>
+<p:sld xmlns:a="http://schemas.openxmlformats.org/drawingml/2006/main" xmlns:r="http://schemas.openxmlformats.org/officeDocument/2006/relationships" xmlns:p="http://schemas.openxmlformats.org/presentationml/2006/main">
+  <p:cSld>
+    <p:spTree>
+      <p:nvGrpSpPr>
+        <p:cNvPr id="1" name=""/>
+        <p:cNvGrpSpPr/>
+        <p:nvPr/>
+      </p:nvGrpSpPr>
+      <p:grpSpPr>
+        <a:xfrm>
+          <a:off x="0" y="0"/>
+          <a:ext cx="0" cy="0"/>
+          <a:chOff x="0" y="0"/>
+          <a:chExt cx="0" cy="0"/>
+        </a:xfrm>
+      </p:grpSpPr>
+      <p:pic>
+        <p:nvPicPr>
+          <p:cNvPr id="20" name="Picture 19"/>
+          <p:cNvPicPr>
+            <a:picLocks noChangeAspect="1"/>
+          </p:cNvPicPr>
+          <p:nvPr/>
+        </p:nvPicPr>
+        <p:blipFill>
+          <a:blip r:embed="rId2"/>
+          <a:stretch>
+            <a:fillRect/>
+          </a:stretch>
+        </p:blipFill>
+        <p:spPr>
+          <a:xfrm>
+            <a:off x="4467225" y="2562225"/>
+            <a:ext cx="2848484" cy="1515860"/>
+          </a:xfrm>
+          <a:prstGeom prst="rect">
+            <a:avLst/>
+          </a:prstGeom>
+        </p:spPr>
+      </p:pic>
+      <p:sp>
+        <p:nvSpPr>
+          <p:cNvPr id="5" name="Rounded Rectangle 4"/>
+          <p:cNvSpPr/>
+          <p:nvPr/>
+        </p:nvSpPr>
+        <p:spPr>
+          <a:xfrm>
+            <a:off x="1925595" y="1449859"/>
+            <a:ext cx="1655805" cy="988541"/>
+          </a:xfrm>
+          <a:prstGeom prst="roundRect">
+            <a:avLst/>
+          </a:prstGeom>
+          <a:noFill/>
+          <a:ln w="25400">
+            <a:solidFill>
+              <a:schemeClr val="tx2"/>
+            </a:solidFill>
+          </a:ln>
+        </p:spPr>
+        <p:style>
+          <a:lnRef idx="2">
+            <a:schemeClr val="accent1">
+              <a:shade val="50000"/>
+            </a:schemeClr>
+          </a:lnRef>
+          <a:fillRef idx="1">
+            <a:schemeClr val="accent1"/>
+          </a:fillRef>
+          <a:effectRef idx="0">
+            <a:schemeClr val="accent1"/>
+          </a:effectRef>
+          <a:fontRef idx="minor">
+            <a:schemeClr val="lt1"/>
+          </a:fontRef>
+        </p:style>
+        <p:txBody>
+          <a:bodyPr rtlCol="0" anchor="ctr"/>
+          <a:lstStyle/>
+          <a:p>
+            <a:pPr algn="ctr"/>
+            <a:r>
+              <a:rPr lang="en-US" dirty="0" smtClean="0">
+                <a:solidFill>
+                  <a:schemeClr val="tx1"/>
+                </a:solidFill>
+              </a:rPr>
+              <a:t>Arduino Sketch</a:t>
+            </a:r>
+            <a:endParaRPr lang="en-US" dirty="0">
+              <a:solidFill>
+                <a:schemeClr val="tx1"/>
+              </a:solidFill>
+            </a:endParaRPr>
+          </a:p>
+        </p:txBody>
+      </p:sp>
+      <p:cxnSp>
+        <p:nvCxnSpPr>
+          <p:cNvPr id="7" name="Straight Connector 6"/>
+          <p:cNvCxnSpPr/>
+          <p:nvPr/>
+        </p:nvCxnSpPr>
+        <p:spPr>
+          <a:xfrm>
+            <a:off x="6019800" y="304800"/>
+            <a:ext cx="0" cy="5943600"/>
+          </a:xfrm>
+          <a:prstGeom prst="line">
+            <a:avLst/>
+          </a:prstGeom>
+        </p:spPr>
+        <p:style>
+          <a:lnRef idx="1">
+            <a:schemeClr val="accent1"/>
+          </a:lnRef>
+          <a:fillRef idx="0">
+            <a:schemeClr val="accent1"/>
+          </a:fillRef>
+          <a:effectRef idx="0">
+            <a:schemeClr val="accent1"/>
+          </a:effectRef>
+          <a:fontRef idx="minor">
+            <a:schemeClr val="tx1"/>
+          </a:fontRef>
+        </p:style>
+      </p:cxnSp>
+      <p:pic>
+        <p:nvPicPr>
+          <p:cNvPr id="14" name="Picture 13"/>
+          <p:cNvPicPr>
+            <a:picLocks noChangeAspect="1"/>
+          </p:cNvPicPr>
+          <p:nvPr/>
+        </p:nvPicPr>
+        <p:blipFill>
+          <a:blip r:embed="rId3">
+            <a:extLst>
+              <a:ext uri="{28A0092B-C50C-407E-A947-70E740481C1C}">
+                <a14:useLocalDpi xmlns:a14="http://schemas.microsoft.com/office/drawing/2010/main" val="0"/>
+              </a:ext>
+            </a:extLst>
+          </a:blip>
+          <a:stretch>
+            <a:fillRect/>
+          </a:stretch>
+        </p:blipFill>
+        <p:spPr>
+          <a:xfrm>
+            <a:off x="1981200" y="133350"/>
+            <a:ext cx="1600200" cy="1088371"/>
+          </a:xfrm>
+          <a:prstGeom prst="rect">
+            <a:avLst/>
+          </a:prstGeom>
+        </p:spPr>
+      </p:pic>
+      <p:sp>
+        <p:nvSpPr>
+          <p:cNvPr id="18" name="Rounded Rectangle 17"/>
+          <p:cNvSpPr/>
+          <p:nvPr/>
+        </p:nvSpPr>
+        <p:spPr>
+          <a:xfrm>
+            <a:off x="1925595" y="2934729"/>
+            <a:ext cx="1655805" cy="988541"/>
+          </a:xfrm>
+          <a:prstGeom prst="roundRect">
+            <a:avLst/>
+          </a:prstGeom>
+          <a:noFill/>
+          <a:ln w="25400">
+            <a:solidFill>
+              <a:schemeClr val="tx2"/>
+            </a:solidFill>
+          </a:ln>
+        </p:spPr>
+        <p:style>
+          <a:lnRef idx="2">
+            <a:schemeClr val="accent1">
+              <a:shade val="50000"/>
+            </a:schemeClr>
+          </a:lnRef>
+          <a:fillRef idx="1">
+            <a:schemeClr val="accent1"/>
+          </a:fillRef>
+          <a:effectRef idx="0">
+            <a:schemeClr val="accent1"/>
+          </a:effectRef>
+          <a:fontRef idx="minor">
+            <a:schemeClr val="lt1"/>
+          </a:fontRef>
+        </p:style>
+        <p:txBody>
+          <a:bodyPr rtlCol="0" anchor="ctr"/>
+          <a:lstStyle/>
+          <a:p>
+            <a:pPr algn="ctr"/>
+            <a:r>
+              <a:rPr lang="en-US" dirty="0" err="1" smtClean="0">
+                <a:solidFill>
+                  <a:schemeClr val="tx1"/>
+                </a:solidFill>
+              </a:rPr>
+              <a:t>ST_Anything</a:t>
+            </a:r>
+            <a:endParaRPr lang="en-US" dirty="0" smtClean="0">
+              <a:solidFill>
+                <a:schemeClr val="tx1"/>
+              </a:solidFill>
+            </a:endParaRPr>
+          </a:p>
+          <a:p>
+            <a:pPr algn="ctr"/>
+            <a:r>
+              <a:rPr lang="en-US" dirty="0" smtClean="0">
+                <a:solidFill>
+                  <a:schemeClr val="tx1"/>
+                </a:solidFill>
+              </a:rPr>
+              <a:t>Library</a:t>
+            </a:r>
+            <a:endParaRPr lang="en-US" dirty="0">
+              <a:solidFill>
+                <a:schemeClr val="tx1"/>
+              </a:solidFill>
+            </a:endParaRPr>
+          </a:p>
+        </p:txBody>
+      </p:sp>
+      <p:sp>
+        <p:nvSpPr>
+          <p:cNvPr id="19" name="Rounded Rectangle 18"/>
+          <p:cNvSpPr/>
+          <p:nvPr/>
+        </p:nvSpPr>
+        <p:spPr>
+          <a:xfrm>
+            <a:off x="1925595" y="4489337"/>
+            <a:ext cx="1655805" cy="988541"/>
+          </a:xfrm>
+          <a:prstGeom prst="roundRect">
+            <a:avLst/>
+          </a:prstGeom>
+          <a:noFill/>
+          <a:ln w="25400">
+            <a:solidFill>
+              <a:schemeClr val="tx2"/>
+            </a:solidFill>
+          </a:ln>
+        </p:spPr>
+        <p:style>
+          <a:lnRef idx="2">
+            <a:schemeClr val="accent1">
+              <a:shade val="50000"/>
+            </a:schemeClr>
+          </a:lnRef>
+          <a:fillRef idx="1">
+            <a:schemeClr val="accent1"/>
+          </a:fillRef>
+          <a:effectRef idx="0">
+            <a:schemeClr val="accent1"/>
+          </a:effectRef>
+          <a:fontRef idx="minor">
+            <a:schemeClr val="lt1"/>
+          </a:fontRef>
+        </p:style>
+        <p:txBody>
+          <a:bodyPr rtlCol="0" anchor="ctr"/>
+          <a:lstStyle/>
+          <a:p>
+            <a:pPr algn="ctr"/>
+            <a:r>
+              <a:rPr lang="en-US" dirty="0" smtClean="0">
+                <a:solidFill>
+                  <a:schemeClr val="tx1"/>
+                </a:solidFill>
+              </a:rPr>
+              <a:t>SmartThings</a:t>
+            </a:r>
+          </a:p>
+          <a:p>
+            <a:pPr algn="ctr"/>
+            <a:r>
+              <a:rPr lang="en-US" dirty="0" smtClean="0">
+                <a:solidFill>
+                  <a:schemeClr val="tx1"/>
+                </a:solidFill>
+              </a:rPr>
+              <a:t>Library</a:t>
+            </a:r>
+            <a:endParaRPr lang="en-US" dirty="0">
+              <a:solidFill>
+                <a:schemeClr val="tx1"/>
+              </a:solidFill>
+            </a:endParaRPr>
+          </a:p>
+        </p:txBody>
+      </p:sp>
+      <p:cxnSp>
+        <p:nvCxnSpPr>
+          <p:cNvPr id="21" name="Straight Arrow Connector 20"/>
+          <p:cNvCxnSpPr>
+            <a:stCxn id="5" idx="2"/>
+            <a:endCxn id="18" idx="0"/>
+          </p:cNvCxnSpPr>
+          <p:nvPr/>
+        </p:nvCxnSpPr>
+        <p:spPr>
+          <a:xfrm>
+            <a:off x="2753498" y="2438400"/>
+            <a:ext cx="0" cy="496329"/>
+          </a:xfrm>
+          <a:prstGeom prst="straightConnector1">
+            <a:avLst/>
+          </a:prstGeom>
+          <a:ln w="25400">
+            <a:solidFill>
+              <a:schemeClr val="tx2"/>
+            </a:solidFill>
+            <a:headEnd type="triangle"/>
+            <a:tailEnd type="triangle"/>
+          </a:ln>
+        </p:spPr>
+        <p:style>
+          <a:lnRef idx="1">
+            <a:schemeClr val="accent1"/>
+          </a:lnRef>
+          <a:fillRef idx="0">
+            <a:schemeClr val="accent1"/>
+          </a:fillRef>
+          <a:effectRef idx="0">
+            <a:schemeClr val="accent1"/>
+          </a:effectRef>
+          <a:fontRef idx="minor">
+            <a:schemeClr val="tx1"/>
+          </a:fontRef>
+        </p:style>
+      </p:cxnSp>
+      <p:cxnSp>
+        <p:nvCxnSpPr>
+          <p:cNvPr id="22" name="Straight Arrow Connector 21"/>
+          <p:cNvCxnSpPr>
+            <a:stCxn id="18" idx="2"/>
+            <a:endCxn id="19" idx="0"/>
+          </p:cNvCxnSpPr>
+          <p:nvPr/>
+        </p:nvCxnSpPr>
+        <p:spPr>
+          <a:xfrm>
+            <a:off x="2753498" y="3923270"/>
+            <a:ext cx="0" cy="566067"/>
+          </a:xfrm>
+          <a:prstGeom prst="straightConnector1">
+            <a:avLst/>
+          </a:prstGeom>
+          <a:ln w="25400">
+            <a:solidFill>
+              <a:schemeClr val="tx2"/>
+            </a:solidFill>
+            <a:headEnd type="triangle"/>
+            <a:tailEnd type="triangle"/>
+          </a:ln>
+        </p:spPr>
+        <p:style>
+          <a:lnRef idx="1">
+            <a:schemeClr val="accent1"/>
+          </a:lnRef>
+          <a:fillRef idx="0">
+            <a:schemeClr val="accent1"/>
+          </a:fillRef>
+          <a:effectRef idx="0">
+            <a:schemeClr val="accent1"/>
+          </a:effectRef>
+          <a:fontRef idx="minor">
+            <a:schemeClr val="tx1"/>
+          </a:fontRef>
+        </p:style>
+      </p:cxnSp>
+      <p:cxnSp>
+        <p:nvCxnSpPr>
+          <p:cNvPr id="25" name="Straight Arrow Connector 24"/>
+          <p:cNvCxnSpPr>
+            <a:endCxn id="19" idx="3"/>
+          </p:cNvCxnSpPr>
+          <p:nvPr/>
+        </p:nvCxnSpPr>
+        <p:spPr>
+          <a:xfrm flipH="1">
+            <a:off x="3581400" y="4078085"/>
+            <a:ext cx="1295401" cy="905523"/>
+          </a:xfrm>
+          <a:prstGeom prst="straightConnector1">
+            <a:avLst/>
+          </a:prstGeom>
+          <a:ln w="25400">
+            <a:solidFill>
+              <a:schemeClr val="tx2"/>
+            </a:solidFill>
+            <a:headEnd type="triangle"/>
+            <a:tailEnd type="triangle"/>
+          </a:ln>
+        </p:spPr>
+        <p:style>
+          <a:lnRef idx="1">
+            <a:schemeClr val="accent1"/>
+          </a:lnRef>
+          <a:fillRef idx="0">
+            <a:schemeClr val="accent1"/>
+          </a:fillRef>
+          <a:effectRef idx="0">
+            <a:schemeClr val="accent1"/>
+          </a:effectRef>
+          <a:fontRef idx="minor">
+            <a:schemeClr val="tx1"/>
+          </a:fontRef>
+        </p:style>
+      </p:cxnSp>
+      <p:cxnSp>
+        <p:nvCxnSpPr>
+          <p:cNvPr id="28" name="Straight Arrow Connector 27"/>
+          <p:cNvCxnSpPr>
+            <a:stCxn id="17" idx="1"/>
+          </p:cNvCxnSpPr>
+          <p:nvPr/>
+        </p:nvCxnSpPr>
+        <p:spPr>
+          <a:xfrm flipH="1">
+            <a:off x="7239000" y="1944130"/>
+            <a:ext cx="1219201" cy="745128"/>
+          </a:xfrm>
+          <a:prstGeom prst="straightConnector1">
+            <a:avLst/>
+          </a:prstGeom>
+          <a:ln w="25400">
+            <a:solidFill>
+              <a:schemeClr val="tx2"/>
+            </a:solidFill>
+            <a:headEnd type="triangle"/>
+            <a:tailEnd type="triangle"/>
+          </a:ln>
+        </p:spPr>
+        <p:style>
+          <a:lnRef idx="1">
+            <a:schemeClr val="accent1"/>
+          </a:lnRef>
+          <a:fillRef idx="0">
+            <a:schemeClr val="accent1"/>
+          </a:fillRef>
+          <a:effectRef idx="0">
+            <a:schemeClr val="accent1"/>
+          </a:effectRef>
+          <a:fontRef idx="minor">
+            <a:schemeClr val="tx1"/>
+          </a:fontRef>
+        </p:style>
+      </p:cxnSp>
+      <p:sp>
+        <p:nvSpPr>
+          <p:cNvPr id="36" name="Rounded Rectangle 35"/>
+          <p:cNvSpPr/>
+          <p:nvPr/>
+        </p:nvSpPr>
+        <p:spPr>
+          <a:xfrm>
+            <a:off x="9982200" y="3874261"/>
+            <a:ext cx="1655805" cy="988541"/>
+          </a:xfrm>
+          <a:prstGeom prst="roundRect">
+            <a:avLst/>
+          </a:prstGeom>
+          <a:noFill/>
+          <a:ln w="25400">
+            <a:solidFill>
+              <a:schemeClr val="tx2"/>
+            </a:solidFill>
+          </a:ln>
+        </p:spPr>
+        <p:style>
+          <a:lnRef idx="2">
+            <a:schemeClr val="accent1">
+              <a:shade val="50000"/>
+            </a:schemeClr>
+          </a:lnRef>
+          <a:fillRef idx="1">
+            <a:schemeClr val="accent1"/>
+          </a:fillRef>
+          <a:effectRef idx="0">
+            <a:schemeClr val="accent1"/>
+          </a:effectRef>
+          <a:fontRef idx="minor">
+            <a:schemeClr val="lt1"/>
+          </a:fontRef>
+        </p:style>
+        <p:txBody>
+          <a:bodyPr rtlCol="0" anchor="ctr"/>
+          <a:lstStyle/>
+          <a:p>
+            <a:pPr algn="ctr"/>
+            <a:endParaRPr lang="en-US" dirty="0">
+              <a:solidFill>
+                <a:schemeClr val="tx1"/>
+              </a:solidFill>
+            </a:endParaRPr>
+          </a:p>
+        </p:txBody>
+      </p:sp>
+      <p:sp>
+        <p:nvSpPr>
+          <p:cNvPr id="31" name="Rounded Rectangle 30"/>
+          <p:cNvSpPr/>
+          <p:nvPr/>
+        </p:nvSpPr>
+        <p:spPr>
+          <a:xfrm>
+            <a:off x="10113537" y="4033660"/>
+            <a:ext cx="1655805" cy="988541"/>
+          </a:xfrm>
+          <a:prstGeom prst="roundRect">
+            <a:avLst/>
+          </a:prstGeom>
+          <a:solidFill>
+            <a:schemeClr val="bg1"/>
+          </a:solidFill>
+          <a:ln w="25400">
+            <a:solidFill>
+              <a:schemeClr val="tx2"/>
+            </a:solidFill>
+          </a:ln>
+        </p:spPr>
+        <p:style>
+          <a:lnRef idx="2">
+            <a:schemeClr val="accent1">
+              <a:shade val="50000"/>
+            </a:schemeClr>
+          </a:lnRef>
+          <a:fillRef idx="1">
+            <a:schemeClr val="accent1"/>
+          </a:fillRef>
+          <a:effectRef idx="0">
+            <a:schemeClr val="accent1"/>
+          </a:effectRef>
+          <a:fontRef idx="minor">
+            <a:schemeClr val="lt1"/>
+          </a:fontRef>
+        </p:style>
+        <p:txBody>
+          <a:bodyPr rtlCol="0" anchor="ctr"/>
+          <a:lstStyle/>
+          <a:p>
+            <a:pPr algn="ctr"/>
+            <a:endParaRPr lang="en-US" dirty="0">
+              <a:solidFill>
+                <a:schemeClr val="tx1"/>
+              </a:solidFill>
+            </a:endParaRPr>
+          </a:p>
+        </p:txBody>
+      </p:sp>
+      <p:sp>
+        <p:nvSpPr>
+          <p:cNvPr id="35" name="Rounded Rectangle 34"/>
+          <p:cNvSpPr/>
+          <p:nvPr/>
+        </p:nvSpPr>
+        <p:spPr>
+          <a:xfrm>
+            <a:off x="10244874" y="4193059"/>
+            <a:ext cx="1655805" cy="988541"/>
+          </a:xfrm>
+          <a:prstGeom prst="roundRect">
+            <a:avLst/>
+          </a:prstGeom>
+          <a:solidFill>
+            <a:schemeClr val="bg1"/>
+          </a:solidFill>
+          <a:ln w="25400">
+            <a:solidFill>
+              <a:schemeClr val="tx2"/>
+            </a:solidFill>
+          </a:ln>
+        </p:spPr>
+        <p:style>
+          <a:lnRef idx="2">
+            <a:schemeClr val="accent1">
+              <a:shade val="50000"/>
+            </a:schemeClr>
+          </a:lnRef>
+          <a:fillRef idx="1">
+            <a:schemeClr val="accent1"/>
+          </a:fillRef>
+          <a:effectRef idx="0">
+            <a:schemeClr val="accent1"/>
+          </a:effectRef>
+          <a:fontRef idx="minor">
+            <a:schemeClr val="lt1"/>
+          </a:fontRef>
+        </p:style>
+        <p:txBody>
+          <a:bodyPr rtlCol="0" anchor="ctr"/>
+          <a:lstStyle/>
+          <a:p>
+            <a:pPr algn="ctr"/>
+            <a:r>
+              <a:rPr lang="en-US" dirty="0" err="1" smtClean="0">
+                <a:solidFill>
+                  <a:schemeClr val="tx1"/>
+                </a:solidFill>
+              </a:rPr>
+              <a:t>ST_Anything</a:t>
+            </a:r>
+            <a:r>
+              <a:rPr lang="en-US" dirty="0" smtClean="0">
+                <a:solidFill>
+                  <a:schemeClr val="tx1"/>
+                </a:solidFill>
+              </a:rPr>
+              <a:t> Child Devices</a:t>
+            </a:r>
+            <a:endParaRPr lang="en-US" dirty="0">
+              <a:solidFill>
+                <a:schemeClr val="tx1"/>
+              </a:solidFill>
+            </a:endParaRPr>
+          </a:p>
+        </p:txBody>
+      </p:sp>
+      <p:cxnSp>
+        <p:nvCxnSpPr>
+          <p:cNvPr id="37" name="Straight Arrow Connector 36"/>
+          <p:cNvCxnSpPr>
+            <a:stCxn id="17" idx="3"/>
+            <a:endCxn id="34" idx="0"/>
+          </p:cNvCxnSpPr>
+          <p:nvPr/>
+        </p:nvCxnSpPr>
+        <p:spPr>
+          <a:xfrm>
+            <a:off x="10114006" y="1944130"/>
+            <a:ext cx="696097" cy="606718"/>
+          </a:xfrm>
+          <a:prstGeom prst="straightConnector1">
+            <a:avLst/>
+          </a:prstGeom>
+          <a:ln w="25400">
+            <a:solidFill>
+              <a:schemeClr val="tx2"/>
+            </a:solidFill>
+            <a:headEnd type="triangle"/>
+            <a:tailEnd type="triangle"/>
+          </a:ln>
+        </p:spPr>
+        <p:style>
+          <a:lnRef idx="1">
+            <a:schemeClr val="accent1"/>
+          </a:lnRef>
+          <a:fillRef idx="0">
+            <a:schemeClr val="accent1"/>
+          </a:fillRef>
+          <a:effectRef idx="0">
+            <a:schemeClr val="accent1"/>
+          </a:effectRef>
+          <a:fontRef idx="minor">
+            <a:schemeClr val="tx1"/>
+          </a:fontRef>
+        </p:style>
+      </p:cxnSp>
+      <p:sp>
+        <p:nvSpPr>
+          <p:cNvPr id="40" name="Rounded Rectangle 39"/>
+          <p:cNvSpPr/>
+          <p:nvPr/>
+        </p:nvSpPr>
+        <p:spPr>
+          <a:xfrm>
+            <a:off x="8077200" y="5715000"/>
+            <a:ext cx="2438400" cy="988541"/>
+          </a:xfrm>
+          <a:prstGeom prst="roundRect">
+            <a:avLst/>
+          </a:prstGeom>
+          <a:noFill/>
+          <a:ln w="25400">
+            <a:solidFill>
+              <a:schemeClr val="tx2"/>
+            </a:solidFill>
+          </a:ln>
+        </p:spPr>
+        <p:style>
+          <a:lnRef idx="2">
+            <a:schemeClr val="accent1">
+              <a:shade val="50000"/>
+            </a:schemeClr>
+          </a:lnRef>
+          <a:fillRef idx="1">
+            <a:schemeClr val="accent1"/>
+          </a:fillRef>
+          <a:effectRef idx="0">
+            <a:schemeClr val="accent1"/>
+          </a:effectRef>
+          <a:fontRef idx="minor">
+            <a:schemeClr val="lt1"/>
+          </a:fontRef>
+        </p:style>
+        <p:txBody>
+          <a:bodyPr rtlCol="0" anchor="ctr"/>
+          <a:lstStyle/>
+          <a:p>
+            <a:pPr algn="ctr"/>
+            <a:r>
+              <a:rPr lang="en-US" dirty="0" smtClean="0">
+                <a:solidFill>
+                  <a:schemeClr val="tx1"/>
+                </a:solidFill>
+              </a:rPr>
+              <a:t>Apps</a:t>
+            </a:r>
+            <a:endParaRPr lang="en-US" dirty="0" smtClean="0">
+              <a:solidFill>
+                <a:schemeClr val="tx1"/>
+              </a:solidFill>
+            </a:endParaRPr>
+          </a:p>
+          <a:p>
+            <a:pPr algn="ctr"/>
+            <a:r>
+              <a:rPr lang="en-US" dirty="0" smtClean="0">
+                <a:solidFill>
+                  <a:schemeClr val="tx1"/>
+                </a:solidFill>
+              </a:rPr>
+              <a:t>(</a:t>
+            </a:r>
+            <a:r>
+              <a:rPr lang="en-US" dirty="0" smtClean="0">
+                <a:solidFill>
+                  <a:schemeClr val="tx1"/>
+                </a:solidFill>
+              </a:rPr>
+              <a:t>Rule Machine, Simple Lighting,</a:t>
+            </a:r>
+            <a:r>
+              <a:rPr lang="en-US" dirty="0" smtClean="0">
+                <a:solidFill>
+                  <a:schemeClr val="tx1"/>
+                </a:solidFill>
+              </a:rPr>
+              <a:t> </a:t>
+            </a:r>
+            <a:r>
+              <a:rPr lang="en-US" dirty="0" err="1" smtClean="0">
+                <a:solidFill>
+                  <a:schemeClr val="tx1"/>
+                </a:solidFill>
+              </a:rPr>
+              <a:t>etc</a:t>
+            </a:r>
+            <a:r>
+              <a:rPr lang="en-US" dirty="0" smtClean="0">
+                <a:solidFill>
+                  <a:schemeClr val="tx1"/>
+                </a:solidFill>
+              </a:rPr>
+              <a:t>…)</a:t>
+            </a:r>
+            <a:endParaRPr lang="en-US" dirty="0">
+              <a:solidFill>
+                <a:schemeClr val="tx1"/>
+              </a:solidFill>
+            </a:endParaRPr>
+          </a:p>
+        </p:txBody>
+      </p:sp>
+      <p:cxnSp>
+        <p:nvCxnSpPr>
+          <p:cNvPr id="41" name="Straight Arrow Connector 40"/>
+          <p:cNvCxnSpPr>
+            <a:stCxn id="17" idx="2"/>
+            <a:endCxn id="40" idx="0"/>
+          </p:cNvCxnSpPr>
+          <p:nvPr/>
+        </p:nvCxnSpPr>
+        <p:spPr>
+          <a:xfrm>
+            <a:off x="9286104" y="2438400"/>
+            <a:ext cx="10296" cy="3276600"/>
+          </a:xfrm>
+          <a:prstGeom prst="straightConnector1">
+            <a:avLst/>
+          </a:prstGeom>
+          <a:ln w="25400">
+            <a:solidFill>
+              <a:schemeClr val="tx2"/>
+            </a:solidFill>
+            <a:prstDash val="sysDash"/>
+            <a:headEnd type="triangle"/>
+            <a:tailEnd type="triangle"/>
+          </a:ln>
+        </p:spPr>
+        <p:style>
+          <a:lnRef idx="1">
+            <a:schemeClr val="accent1"/>
+          </a:lnRef>
+          <a:fillRef idx="0">
+            <a:schemeClr val="accent1"/>
+          </a:fillRef>
+          <a:effectRef idx="0">
+            <a:schemeClr val="accent1"/>
+          </a:effectRef>
+          <a:fontRef idx="minor">
+            <a:schemeClr val="tx1"/>
+          </a:fontRef>
+        </p:style>
+      </p:cxnSp>
+      <p:cxnSp>
+        <p:nvCxnSpPr>
+          <p:cNvPr id="44" name="Straight Arrow Connector 43"/>
+          <p:cNvCxnSpPr>
+            <a:stCxn id="35" idx="2"/>
+            <a:endCxn id="40" idx="0"/>
+          </p:cNvCxnSpPr>
+          <p:nvPr/>
+        </p:nvCxnSpPr>
+        <p:spPr>
+          <a:xfrm flipH="1">
+            <a:off x="9296400" y="5181600"/>
+            <a:ext cx="1776377" cy="533400"/>
+          </a:xfrm>
+          <a:prstGeom prst="straightConnector1">
+            <a:avLst/>
+          </a:prstGeom>
+          <a:ln w="25400">
+            <a:solidFill>
+              <a:schemeClr val="tx2"/>
+            </a:solidFill>
+            <a:headEnd type="triangle"/>
+            <a:tailEnd type="triangle"/>
+          </a:ln>
+        </p:spPr>
+        <p:style>
+          <a:lnRef idx="1">
+            <a:schemeClr val="accent1"/>
+          </a:lnRef>
+          <a:fillRef idx="0">
+            <a:schemeClr val="accent1"/>
+          </a:fillRef>
+          <a:effectRef idx="0">
+            <a:schemeClr val="accent1"/>
+          </a:effectRef>
+          <a:fontRef idx="minor">
+            <a:schemeClr val="tx1"/>
+          </a:fontRef>
+        </p:style>
+      </p:cxnSp>
+      <p:sp>
+        <p:nvSpPr>
+          <p:cNvPr id="50" name="TextBox 49"/>
+          <p:cNvSpPr txBox="1"/>
+          <p:nvPr/>
+        </p:nvSpPr>
+        <p:spPr>
+          <a:xfrm rot="16200000">
+            <a:off x="8092687" y="3656111"/>
+            <a:ext cx="2105603" cy="307777"/>
+          </a:xfrm>
+          <a:prstGeom prst="rect">
+            <a:avLst/>
+          </a:prstGeom>
+          <a:noFill/>
+        </p:spPr>
+        <p:txBody>
+          <a:bodyPr wrap="square" rtlCol="0">
+            <a:spAutoFit/>
+          </a:bodyPr>
+          <a:lstStyle/>
+          <a:p>
+            <a:pPr algn="ctr"/>
+            <a:r>
+              <a:rPr lang="en-US" sz="1400" dirty="0" smtClean="0"/>
+              <a:t>Button &amp; RSSI Events</a:t>
+            </a:r>
+            <a:endParaRPr lang="en-US" sz="1400" dirty="0"/>
+          </a:p>
+        </p:txBody>
+      </p:sp>
+      <p:sp>
+        <p:nvSpPr>
+          <p:cNvPr id="51" name="TextBox 50"/>
+          <p:cNvSpPr txBox="1"/>
+          <p:nvPr/>
+        </p:nvSpPr>
+        <p:spPr>
+          <a:xfrm rot="20594091">
+            <a:off x="9840908" y="5340307"/>
+            <a:ext cx="1566003" cy="307777"/>
+          </a:xfrm>
+          <a:prstGeom prst="rect">
+            <a:avLst/>
+          </a:prstGeom>
+          <a:noFill/>
+        </p:spPr>
+        <p:txBody>
+          <a:bodyPr wrap="square" rtlCol="0">
+            <a:spAutoFit/>
+          </a:bodyPr>
+          <a:lstStyle/>
+          <a:p>
+            <a:pPr algn="ctr"/>
+            <a:r>
+              <a:rPr lang="en-US" sz="1400" dirty="0" smtClean="0"/>
+              <a:t>Events</a:t>
+            </a:r>
+            <a:endParaRPr lang="en-US" sz="1400" dirty="0"/>
+          </a:p>
+        </p:txBody>
+      </p:sp>
+      <p:sp>
+        <p:nvSpPr>
+          <p:cNvPr id="52" name="TextBox 51"/>
+          <p:cNvSpPr txBox="1"/>
+          <p:nvPr/>
+        </p:nvSpPr>
+        <p:spPr>
+          <a:xfrm>
+            <a:off x="152400" y="4648200"/>
+            <a:ext cx="1828800" cy="1015663"/>
+          </a:xfrm>
+          <a:prstGeom prst="rect">
+            <a:avLst/>
+          </a:prstGeom>
+          <a:noFill/>
+        </p:spPr>
+        <p:txBody>
+          <a:bodyPr wrap="square" rtlCol="0">
+            <a:spAutoFit/>
+          </a:bodyPr>
+          <a:lstStyle/>
+          <a:p>
+            <a:r>
+              <a:rPr lang="en-US" sz="1200" dirty="0" smtClean="0"/>
+              <a:t>Based on original </a:t>
+            </a:r>
+            <a:r>
+              <a:rPr lang="en-US" sz="1200" dirty="0" err="1" smtClean="0"/>
+              <a:t>ThingShield</a:t>
+            </a:r>
+            <a:r>
+              <a:rPr lang="en-US" sz="1200" dirty="0" smtClean="0"/>
+              <a:t> Arduino library, now supports LAN connections as well as </a:t>
+            </a:r>
+            <a:r>
+              <a:rPr lang="en-US" sz="1200" dirty="0" err="1" smtClean="0"/>
+              <a:t>Zigbee</a:t>
+            </a:r>
+            <a:r>
+              <a:rPr lang="en-US" sz="1200" dirty="0" smtClean="0"/>
+              <a:t> ST </a:t>
+            </a:r>
+            <a:r>
+              <a:rPr lang="en-US" sz="1200" dirty="0" err="1" smtClean="0"/>
+              <a:t>ThingShield</a:t>
+            </a:r>
+            <a:r>
+              <a:rPr lang="en-US" sz="1200" dirty="0" smtClean="0"/>
+              <a:t>.</a:t>
+            </a:r>
+            <a:endParaRPr lang="en-US" sz="1200" dirty="0"/>
+          </a:p>
+        </p:txBody>
+      </p:sp>
+      <p:sp>
+        <p:nvSpPr>
+          <p:cNvPr id="53" name="TextBox 52"/>
+          <p:cNvSpPr txBox="1"/>
+          <p:nvPr/>
+        </p:nvSpPr>
+        <p:spPr>
+          <a:xfrm>
+            <a:off x="152400" y="2999345"/>
+            <a:ext cx="1828800" cy="1015663"/>
+          </a:xfrm>
+          <a:prstGeom prst="rect">
+            <a:avLst/>
+          </a:prstGeom>
+          <a:noFill/>
+        </p:spPr>
+        <p:txBody>
+          <a:bodyPr wrap="square" rtlCol="0">
+            <a:spAutoFit/>
+          </a:bodyPr>
+          <a:lstStyle/>
+          <a:p>
+            <a:r>
+              <a:rPr lang="en-US" sz="1200" dirty="0" smtClean="0"/>
+              <a:t>Implements ST Capabilities as Arduino sensors and actuators.  Also, handles polling and updates.</a:t>
+            </a:r>
+            <a:endParaRPr lang="en-US" sz="1200" dirty="0"/>
+          </a:p>
+        </p:txBody>
+      </p:sp>
+      <p:sp>
+        <p:nvSpPr>
+          <p:cNvPr id="54" name="TextBox 53"/>
+          <p:cNvSpPr txBox="1"/>
+          <p:nvPr/>
+        </p:nvSpPr>
+        <p:spPr>
+          <a:xfrm>
+            <a:off x="152400" y="1520932"/>
+            <a:ext cx="1828800" cy="830997"/>
+          </a:xfrm>
+          <a:prstGeom prst="rect">
+            <a:avLst/>
+          </a:prstGeom>
+          <a:noFill/>
+        </p:spPr>
+        <p:txBody>
+          <a:bodyPr wrap="square" rtlCol="0">
+            <a:spAutoFit/>
+          </a:bodyPr>
+          <a:lstStyle/>
+          <a:p>
+            <a:r>
+              <a:rPr lang="en-US" sz="1200" dirty="0" smtClean="0"/>
+              <a:t>Provides single file for end-user editing to define which devices and pins will be used.</a:t>
+            </a:r>
+            <a:endParaRPr lang="en-US" sz="1200" dirty="0"/>
+          </a:p>
+        </p:txBody>
+      </p:sp>
+      <p:sp>
+        <p:nvSpPr>
+          <p:cNvPr id="55" name="TextBox 54"/>
+          <p:cNvSpPr txBox="1"/>
+          <p:nvPr/>
+        </p:nvSpPr>
+        <p:spPr>
+          <a:xfrm>
+            <a:off x="5029200" y="4038600"/>
+            <a:ext cx="1794603" cy="307777"/>
+          </a:xfrm>
+          <a:prstGeom prst="rect">
+            <a:avLst/>
+          </a:prstGeom>
+          <a:noFill/>
+        </p:spPr>
+        <p:txBody>
+          <a:bodyPr wrap="square" rtlCol="0">
+            <a:spAutoFit/>
+          </a:bodyPr>
+          <a:lstStyle/>
+          <a:p>
+            <a:pPr algn="ctr"/>
+            <a:r>
+              <a:rPr lang="en-US" sz="1400" dirty="0" err="1" smtClean="0"/>
+              <a:t>Hubitat</a:t>
+            </a:r>
+            <a:r>
+              <a:rPr lang="en-US" sz="1400" dirty="0" smtClean="0"/>
+              <a:t> Elevation Hub</a:t>
+            </a:r>
+            <a:endParaRPr lang="en-US" sz="1400" dirty="0"/>
+          </a:p>
+        </p:txBody>
+      </p:sp>
+      <p:pic>
+        <p:nvPicPr>
+          <p:cNvPr id="2" name="Picture 1"/>
+          <p:cNvPicPr>
+            <a:picLocks noChangeAspect="1"/>
+          </p:cNvPicPr>
+          <p:nvPr/>
+        </p:nvPicPr>
+        <p:blipFill>
+          <a:blip r:embed="rId4"/>
+          <a:stretch>
+            <a:fillRect/>
+          </a:stretch>
+        </p:blipFill>
+        <p:spPr>
+          <a:xfrm>
+            <a:off x="7162800" y="73014"/>
+            <a:ext cx="3810000" cy="1374786"/>
+          </a:xfrm>
+          <a:prstGeom prst="rect">
+            <a:avLst/>
+          </a:prstGeom>
+        </p:spPr>
+      </p:pic>
+      <p:sp>
+        <p:nvSpPr>
+          <p:cNvPr id="17" name="Rounded Rectangle 16"/>
+          <p:cNvSpPr/>
+          <p:nvPr/>
+        </p:nvSpPr>
+        <p:spPr>
+          <a:xfrm>
+            <a:off x="8458201" y="1449859"/>
+            <a:ext cx="1655805" cy="988541"/>
+          </a:xfrm>
+          <a:prstGeom prst="roundRect">
+            <a:avLst/>
+          </a:prstGeom>
+          <a:noFill/>
+          <a:ln w="25400">
+            <a:solidFill>
+              <a:schemeClr val="tx2"/>
+            </a:solidFill>
+          </a:ln>
+        </p:spPr>
+        <p:style>
+          <a:lnRef idx="2">
+            <a:schemeClr val="accent1">
+              <a:shade val="50000"/>
+            </a:schemeClr>
+          </a:lnRef>
+          <a:fillRef idx="1">
+            <a:schemeClr val="accent1"/>
+          </a:fillRef>
+          <a:effectRef idx="0">
+            <a:schemeClr val="accent1"/>
+          </a:effectRef>
+          <a:fontRef idx="minor">
+            <a:schemeClr val="lt1"/>
+          </a:fontRef>
+        </p:style>
+        <p:txBody>
+          <a:bodyPr rtlCol="0" anchor="ctr"/>
+          <a:lstStyle/>
+          <a:p>
+            <a:pPr algn="ctr"/>
+            <a:r>
+              <a:rPr lang="en-US" dirty="0" err="1" smtClean="0">
+                <a:solidFill>
+                  <a:schemeClr val="tx1"/>
+                </a:solidFill>
+              </a:rPr>
+              <a:t>HubDuino</a:t>
+            </a:r>
+            <a:r>
+              <a:rPr lang="en-US" dirty="0" smtClean="0">
+                <a:solidFill>
+                  <a:schemeClr val="tx1"/>
+                </a:solidFill>
+              </a:rPr>
+              <a:t> Bridge Device</a:t>
+            </a:r>
+            <a:endParaRPr lang="en-US" dirty="0">
+              <a:solidFill>
+                <a:schemeClr val="tx1"/>
+              </a:solidFill>
+            </a:endParaRPr>
+          </a:p>
+        </p:txBody>
+      </p:sp>
+      <p:sp>
+        <p:nvSpPr>
+          <p:cNvPr id="56" name="TextBox 55"/>
+          <p:cNvSpPr txBox="1"/>
+          <p:nvPr/>
+        </p:nvSpPr>
+        <p:spPr>
+          <a:xfrm>
+            <a:off x="10618058" y="1714533"/>
+            <a:ext cx="1497742" cy="830997"/>
+          </a:xfrm>
+          <a:prstGeom prst="rect">
+            <a:avLst/>
+          </a:prstGeom>
+          <a:noFill/>
+        </p:spPr>
+        <p:txBody>
+          <a:bodyPr wrap="square" rtlCol="0">
+            <a:spAutoFit/>
+          </a:bodyPr>
+          <a:lstStyle/>
+          <a:p>
+            <a:r>
+              <a:rPr lang="en-US" sz="1200" dirty="0" smtClean="0"/>
+              <a:t>Auto creates child devices based on updates from Arduino.</a:t>
+            </a:r>
+            <a:endParaRPr lang="en-US" sz="1200" dirty="0"/>
+          </a:p>
+        </p:txBody>
+      </p:sp>
+      <p:sp>
+        <p:nvSpPr>
+          <p:cNvPr id="34" name="Rounded Rectangle 33"/>
+          <p:cNvSpPr/>
+          <p:nvPr/>
+        </p:nvSpPr>
+        <p:spPr>
+          <a:xfrm>
+            <a:off x="9982200" y="2550848"/>
+            <a:ext cx="1655805" cy="988541"/>
+          </a:xfrm>
+          <a:prstGeom prst="roundRect">
+            <a:avLst/>
+          </a:prstGeom>
+          <a:noFill/>
+          <a:ln w="25400">
+            <a:solidFill>
+              <a:schemeClr val="tx2"/>
+            </a:solidFill>
+          </a:ln>
+        </p:spPr>
+        <p:style>
+          <a:lnRef idx="2">
+            <a:schemeClr val="accent1">
+              <a:shade val="50000"/>
+            </a:schemeClr>
+          </a:lnRef>
+          <a:fillRef idx="1">
+            <a:schemeClr val="accent1"/>
+          </a:fillRef>
+          <a:effectRef idx="0">
+            <a:schemeClr val="accent1"/>
+          </a:effectRef>
+          <a:fontRef idx="minor">
+            <a:schemeClr val="lt1"/>
+          </a:fontRef>
+        </p:style>
+        <p:txBody>
+          <a:bodyPr rtlCol="0" anchor="ctr"/>
+          <a:lstStyle/>
+          <a:p>
+            <a:pPr algn="ctr"/>
+            <a:r>
+              <a:rPr lang="en-US" dirty="0" err="1" smtClean="0">
+                <a:solidFill>
+                  <a:schemeClr val="tx1"/>
+                </a:solidFill>
+              </a:rPr>
+              <a:t>HubDuino</a:t>
+            </a:r>
+            <a:r>
+              <a:rPr lang="en-US" dirty="0" smtClean="0">
+                <a:solidFill>
+                  <a:schemeClr val="tx1"/>
+                </a:solidFill>
+              </a:rPr>
+              <a:t> Service Manager App</a:t>
+            </a:r>
+            <a:endParaRPr lang="en-US" dirty="0">
+              <a:solidFill>
+                <a:schemeClr val="tx1"/>
+              </a:solidFill>
+            </a:endParaRPr>
+          </a:p>
+        </p:txBody>
+      </p:sp>
+      <p:cxnSp>
+        <p:nvCxnSpPr>
+          <p:cNvPr id="38" name="Straight Arrow Connector 37"/>
+          <p:cNvCxnSpPr>
+            <a:stCxn id="34" idx="2"/>
+            <a:endCxn id="36" idx="0"/>
+          </p:cNvCxnSpPr>
+          <p:nvPr/>
+        </p:nvCxnSpPr>
+        <p:spPr>
+          <a:xfrm>
+            <a:off x="10810103" y="3539389"/>
+            <a:ext cx="0" cy="334872"/>
+          </a:xfrm>
+          <a:prstGeom prst="straightConnector1">
+            <a:avLst/>
+          </a:prstGeom>
+          <a:ln w="25400">
+            <a:solidFill>
+              <a:schemeClr val="tx2"/>
+            </a:solidFill>
+            <a:headEnd type="triangle"/>
+            <a:tailEnd type="triangle"/>
+          </a:ln>
+        </p:spPr>
+        <p:style>
+          <a:lnRef idx="1">
+            <a:schemeClr val="accent1"/>
+          </a:lnRef>
+          <a:fillRef idx="0">
+            <a:schemeClr val="accent1"/>
+          </a:fillRef>
+          <a:effectRef idx="0">
+            <a:schemeClr val="accent1"/>
+          </a:effectRef>
+          <a:fontRef idx="minor">
+            <a:schemeClr val="tx1"/>
+          </a:fontRef>
+        </p:style>
+      </p:cxnSp>
+    </p:spTree>
+    <p:extLst>
+      <p:ext uri="{BB962C8B-B14F-4D97-AF65-F5344CB8AC3E}">
+        <p14:creationId xmlns:p14="http://schemas.microsoft.com/office/powerpoint/2010/main" val="3482107363"/>
+      </p:ext>
+    </p:extLst>
+  </p:cSld>
+  <p:clrMapOvr>
+    <a:masterClrMapping/>
+  </p:clrMapOvr>
+  <p:timing>
+    <p:tnLst>
+      <p:par>
+        <p:cTn id="1" dur="indefinite" restart="never" nodeType="tmRoot"/>
+      </p:par>
+    </p:tnLst>
+  </p:timing>
+</p:sld>
+</file>
+
 <file path=ppt/theme/theme1.xml><?xml version="1.0" encoding="utf-8"?>
 <a:theme xmlns:a="http://schemas.openxmlformats.org/drawingml/2006/main" name="Office Theme">
   <a:themeElements>

--- a/Architecture Flowchart.pptx
+++ b/Architecture Flowchart.pptx
@@ -255,7 +255,7 @@
           <a:p>
             <a:fld id="{B2927C94-1AF9-4A63-8C5E-3EA8D5069965}" type="datetimeFigureOut">
               <a:rPr lang="en-US" smtClean="0"/>
-              <a:t>2/9/2018</a:t>
+              <a:t>6/5/2018</a:t>
             </a:fld>
             <a:endParaRPr lang="en-US"/>
           </a:p>
@@ -425,7 +425,7 @@
           <a:p>
             <a:fld id="{B2927C94-1AF9-4A63-8C5E-3EA8D5069965}" type="datetimeFigureOut">
               <a:rPr lang="en-US" smtClean="0"/>
-              <a:t>2/9/2018</a:t>
+              <a:t>6/5/2018</a:t>
             </a:fld>
             <a:endParaRPr lang="en-US"/>
           </a:p>
@@ -605,7 +605,7 @@
           <a:p>
             <a:fld id="{B2927C94-1AF9-4A63-8C5E-3EA8D5069965}" type="datetimeFigureOut">
               <a:rPr lang="en-US" smtClean="0"/>
-              <a:t>2/9/2018</a:t>
+              <a:t>6/5/2018</a:t>
             </a:fld>
             <a:endParaRPr lang="en-US"/>
           </a:p>
@@ -775,7 +775,7 @@
           <a:p>
             <a:fld id="{B2927C94-1AF9-4A63-8C5E-3EA8D5069965}" type="datetimeFigureOut">
               <a:rPr lang="en-US" smtClean="0"/>
-              <a:t>2/9/2018</a:t>
+              <a:t>6/5/2018</a:t>
             </a:fld>
             <a:endParaRPr lang="en-US"/>
           </a:p>
@@ -1021,7 +1021,7 @@
           <a:p>
             <a:fld id="{B2927C94-1AF9-4A63-8C5E-3EA8D5069965}" type="datetimeFigureOut">
               <a:rPr lang="en-US" smtClean="0"/>
-              <a:t>2/9/2018</a:t>
+              <a:t>6/5/2018</a:t>
             </a:fld>
             <a:endParaRPr lang="en-US"/>
           </a:p>
@@ -1253,7 +1253,7 @@
           <a:p>
             <a:fld id="{B2927C94-1AF9-4A63-8C5E-3EA8D5069965}" type="datetimeFigureOut">
               <a:rPr lang="en-US" smtClean="0"/>
-              <a:t>2/9/2018</a:t>
+              <a:t>6/5/2018</a:t>
             </a:fld>
             <a:endParaRPr lang="en-US"/>
           </a:p>
@@ -1620,7 +1620,7 @@
           <a:p>
             <a:fld id="{B2927C94-1AF9-4A63-8C5E-3EA8D5069965}" type="datetimeFigureOut">
               <a:rPr lang="en-US" smtClean="0"/>
-              <a:t>2/9/2018</a:t>
+              <a:t>6/5/2018</a:t>
             </a:fld>
             <a:endParaRPr lang="en-US"/>
           </a:p>
@@ -1738,7 +1738,7 @@
           <a:p>
             <a:fld id="{B2927C94-1AF9-4A63-8C5E-3EA8D5069965}" type="datetimeFigureOut">
               <a:rPr lang="en-US" smtClean="0"/>
-              <a:t>2/9/2018</a:t>
+              <a:t>6/5/2018</a:t>
             </a:fld>
             <a:endParaRPr lang="en-US"/>
           </a:p>
@@ -1833,7 +1833,7 @@
           <a:p>
             <a:fld id="{B2927C94-1AF9-4A63-8C5E-3EA8D5069965}" type="datetimeFigureOut">
               <a:rPr lang="en-US" smtClean="0"/>
-              <a:t>2/9/2018</a:t>
+              <a:t>6/5/2018</a:t>
             </a:fld>
             <a:endParaRPr lang="en-US"/>
           </a:p>
@@ -2110,7 +2110,7 @@
           <a:p>
             <a:fld id="{B2927C94-1AF9-4A63-8C5E-3EA8D5069965}" type="datetimeFigureOut">
               <a:rPr lang="en-US" smtClean="0"/>
-              <a:t>2/9/2018</a:t>
+              <a:t>6/5/2018</a:t>
             </a:fld>
             <a:endParaRPr lang="en-US"/>
           </a:p>
@@ -2363,7 +2363,7 @@
           <a:p>
             <a:fld id="{B2927C94-1AF9-4A63-8C5E-3EA8D5069965}" type="datetimeFigureOut">
               <a:rPr lang="en-US" smtClean="0"/>
-              <a:t>2/9/2018</a:t>
+              <a:t>6/5/2018</a:t>
             </a:fld>
             <a:endParaRPr lang="en-US"/>
           </a:p>
@@ -2576,7 +2576,7 @@
           <a:p>
             <a:fld id="{B2927C94-1AF9-4A63-8C5E-3EA8D5069965}" type="datetimeFigureOut">
               <a:rPr lang="en-US" smtClean="0"/>
-              <a:t>2/9/2018</a:t>
+              <a:t>6/5/2018</a:t>
             </a:fld>
             <a:endParaRPr lang="en-US"/>
           </a:p>
@@ -4643,7 +4643,7 @@
         </p:nvSpPr>
         <p:spPr>
           <a:xfrm>
-            <a:off x="9982200" y="3874261"/>
+            <a:off x="9869583" y="3088809"/>
             <a:ext cx="1655805" cy="988541"/>
           </a:xfrm>
           <a:prstGeom prst="roundRect">
@@ -4693,7 +4693,7 @@
         </p:nvSpPr>
         <p:spPr>
           <a:xfrm>
-            <a:off x="10113537" y="4033660"/>
+            <a:off x="10000920" y="3248208"/>
             <a:ext cx="1655805" cy="988541"/>
           </a:xfrm>
           <a:prstGeom prst="roundRect">
@@ -4745,7 +4745,7 @@
         </p:nvSpPr>
         <p:spPr>
           <a:xfrm>
-            <a:off x="10244874" y="4193059"/>
+            <a:off x="10144897" y="3428999"/>
             <a:ext cx="1655805" cy="988541"/>
           </a:xfrm>
           <a:prstGeom prst="roundRect">
@@ -4810,14 +4810,14 @@
           <p:cNvPr id="37" name="Straight Arrow Connector 36"/>
           <p:cNvCxnSpPr>
             <a:stCxn id="17" idx="3"/>
-            <a:endCxn id="34" idx="0"/>
+            <a:endCxn id="36" idx="0"/>
           </p:cNvCxnSpPr>
           <p:nvPr/>
         </p:nvCxnSpPr>
         <p:spPr>
           <a:xfrm>
             <a:off x="10114006" y="1944130"/>
-            <a:ext cx="696097" cy="606718"/>
+            <a:ext cx="583480" cy="1144679"/>
           </a:xfrm>
           <a:prstGeom prst="straightConnector1">
             <a:avLst/>
@@ -4895,11 +4895,6 @@
               </a:rPr>
               <a:t>Apps</a:t>
             </a:r>
-            <a:endParaRPr lang="en-US" dirty="0" smtClean="0">
-              <a:solidFill>
-                <a:schemeClr val="tx1"/>
-              </a:solidFill>
-            </a:endParaRPr>
           </a:p>
           <a:p>
             <a:pPr algn="ctr"/>
@@ -4909,23 +4904,7 @@
                   <a:schemeClr val="tx1"/>
                 </a:solidFill>
               </a:rPr>
-              <a:t>(</a:t>
-            </a:r>
-            <a:r>
-              <a:rPr lang="en-US" dirty="0" smtClean="0">
-                <a:solidFill>
-                  <a:schemeClr val="tx1"/>
-                </a:solidFill>
-              </a:rPr>
-              <a:t>Rule Machine, Simple Lighting,</a:t>
-            </a:r>
-            <a:r>
-              <a:rPr lang="en-US" dirty="0" smtClean="0">
-                <a:solidFill>
-                  <a:schemeClr val="tx1"/>
-                </a:solidFill>
-              </a:rPr>
-              <a:t> </a:t>
+              <a:t>(Rule Machine, Simple Lighting, </a:t>
             </a:r>
             <a:r>
               <a:rPr lang="en-US" dirty="0" err="1" smtClean="0">
@@ -5003,8 +4982,8 @@
         </p:nvCxnSpPr>
         <p:spPr>
           <a:xfrm flipH="1">
-            <a:off x="9296400" y="5181600"/>
-            <a:ext cx="1776377" cy="533400"/>
+            <a:off x="9296400" y="4417540"/>
+            <a:ext cx="1676400" cy="1297460"/>
           </a:xfrm>
           <a:prstGeom prst="straightConnector1">
             <a:avLst/>
@@ -5070,8 +5049,8 @@
           <p:nvPr/>
         </p:nvSpPr>
         <p:spPr>
-          <a:xfrm rot="20594091">
-            <a:off x="9840908" y="5340307"/>
+          <a:xfrm rot="19276671">
+            <a:off x="9722303" y="4977044"/>
             <a:ext cx="1566003" cy="307777"/>
           </a:xfrm>
           <a:prstGeom prst="rect">
@@ -5323,7 +5302,23 @@
                   <a:schemeClr val="tx1"/>
                 </a:solidFill>
               </a:rPr>
-              <a:t> Bridge Device</a:t>
+              <a:t> </a:t>
+            </a:r>
+            <a:r>
+              <a:rPr lang="en-US" dirty="0" smtClean="0">
+                <a:solidFill>
+                  <a:schemeClr val="tx1"/>
+                </a:solidFill>
+              </a:rPr>
+              <a:t>Parent </a:t>
+            </a:r>
+            <a:r>
+              <a:rPr lang="en-US" dirty="0" smtClean="0">
+                <a:solidFill>
+                  <a:schemeClr val="tx1"/>
+                </a:solidFill>
+              </a:rPr>
+              <a:t>Device</a:t>
             </a:r>
             <a:endParaRPr lang="en-US" dirty="0">
               <a:solidFill>
@@ -5363,112 +5358,6 @@
           </a:p>
         </p:txBody>
       </p:sp>
-      <p:sp>
-        <p:nvSpPr>
-          <p:cNvPr id="34" name="Rounded Rectangle 33"/>
-          <p:cNvSpPr/>
-          <p:nvPr/>
-        </p:nvSpPr>
-        <p:spPr>
-          <a:xfrm>
-            <a:off x="9982200" y="2550848"/>
-            <a:ext cx="1655805" cy="988541"/>
-          </a:xfrm>
-          <a:prstGeom prst="roundRect">
-            <a:avLst/>
-          </a:prstGeom>
-          <a:noFill/>
-          <a:ln w="25400">
-            <a:solidFill>
-              <a:schemeClr val="tx2"/>
-            </a:solidFill>
-          </a:ln>
-        </p:spPr>
-        <p:style>
-          <a:lnRef idx="2">
-            <a:schemeClr val="accent1">
-              <a:shade val="50000"/>
-            </a:schemeClr>
-          </a:lnRef>
-          <a:fillRef idx="1">
-            <a:schemeClr val="accent1"/>
-          </a:fillRef>
-          <a:effectRef idx="0">
-            <a:schemeClr val="accent1"/>
-          </a:effectRef>
-          <a:fontRef idx="minor">
-            <a:schemeClr val="lt1"/>
-          </a:fontRef>
-        </p:style>
-        <p:txBody>
-          <a:bodyPr rtlCol="0" anchor="ctr"/>
-          <a:lstStyle/>
-          <a:p>
-            <a:pPr algn="ctr"/>
-            <a:r>
-              <a:rPr lang="en-US" dirty="0" err="1" smtClean="0">
-                <a:solidFill>
-                  <a:schemeClr val="tx1"/>
-                </a:solidFill>
-              </a:rPr>
-              <a:t>HubDuino</a:t>
-            </a:r>
-            <a:r>
-              <a:rPr lang="en-US" dirty="0" smtClean="0">
-                <a:solidFill>
-                  <a:schemeClr val="tx1"/>
-                </a:solidFill>
-              </a:rPr>
-              <a:t> Service Manager App</a:t>
-            </a:r>
-            <a:endParaRPr lang="en-US" dirty="0">
-              <a:solidFill>
-                <a:schemeClr val="tx1"/>
-              </a:solidFill>
-            </a:endParaRPr>
-          </a:p>
-        </p:txBody>
-      </p:sp>
-      <p:cxnSp>
-        <p:nvCxnSpPr>
-          <p:cNvPr id="38" name="Straight Arrow Connector 37"/>
-          <p:cNvCxnSpPr>
-            <a:stCxn id="34" idx="2"/>
-            <a:endCxn id="36" idx="0"/>
-          </p:cNvCxnSpPr>
-          <p:nvPr/>
-        </p:nvCxnSpPr>
-        <p:spPr>
-          <a:xfrm>
-            <a:off x="10810103" y="3539389"/>
-            <a:ext cx="0" cy="334872"/>
-          </a:xfrm>
-          <a:prstGeom prst="straightConnector1">
-            <a:avLst/>
-          </a:prstGeom>
-          <a:ln w="25400">
-            <a:solidFill>
-              <a:schemeClr val="tx2"/>
-            </a:solidFill>
-            <a:headEnd type="triangle"/>
-            <a:tailEnd type="triangle"/>
-          </a:ln>
-        </p:spPr>
-        <p:style>
-          <a:lnRef idx="1">
-            <a:schemeClr val="accent1"/>
-          </a:lnRef>
-          <a:fillRef idx="0">
-            <a:schemeClr val="accent1"/>
-          </a:fillRef>
-          <a:effectRef idx="0">
-            <a:schemeClr val="accent1"/>
-          </a:effectRef>
-          <a:fontRef idx="minor">
-            <a:schemeClr val="tx1"/>
-          </a:fontRef>
-        </p:style>
-      </p:cxnSp>
     </p:spTree>
     <p:extLst>
       <p:ext uri="{BB962C8B-B14F-4D97-AF65-F5344CB8AC3E}">
